--- a/PrezentacijaProjekata.pptx
+++ b/PrezentacijaProjekata.pptx
@@ -662,7 +662,7 @@
           <a:p>
             <a:fld id="{96DFF08F-DC6B-4601-B491-B0F83F6DD2DA}" type="datetimeFigureOut">
               <a:rPr lang="en-US" smtClean="0"/>
-              <a:t>1/25/2016</a:t>
+              <a:t>25-Jan-16</a:t>
             </a:fld>
             <a:endParaRPr lang="en-US" dirty="0"/>
           </a:p>
@@ -7849,91 +7849,9 @@
   <p:timing>
     <p:tnLst>
       <p:par>
-        <p:cTn id="1" dur="indefinite" restart="never" nodeType="tmRoot">
-          <p:childTnLst>
-            <p:seq concurrent="1" nextAc="seek">
-              <p:cTn id="2" dur="indefinite" nodeType="mainSeq">
-                <p:childTnLst>
-                  <p:par>
-                    <p:cTn id="3" fill="hold">
-                      <p:stCondLst>
-                        <p:cond delay="indefinite"/>
-                        <p:cond evt="onBegin" delay="0">
-                          <p:tn val="2"/>
-                        </p:cond>
-                      </p:stCondLst>
-                      <p:childTnLst>
-                        <p:par>
-                          <p:cTn id="4" fill="hold">
-                            <p:stCondLst>
-                              <p:cond delay="0"/>
-                            </p:stCondLst>
-                            <p:childTnLst>
-                              <p:par>
-                                <p:cTn id="5" presetID="16" presetClass="entr" presetSubtype="26" fill="hold" grpId="0" nodeType="withEffect">
-                                  <p:stCondLst>
-                                    <p:cond delay="5000"/>
-                                  </p:stCondLst>
-                                  <p:childTnLst>
-                                    <p:set>
-                                      <p:cBhvr>
-                                        <p:cTn id="6" dur="1" fill="hold">
-                                          <p:stCondLst>
-                                            <p:cond delay="0"/>
-                                          </p:stCondLst>
-                                        </p:cTn>
-                                        <p:tgtEl>
-                                          <p:spTgt spid="6"/>
-                                        </p:tgtEl>
-                                        <p:attrNameLst>
-                                          <p:attrName>style.visibility</p:attrName>
-                                        </p:attrNameLst>
-                                      </p:cBhvr>
-                                      <p:to>
-                                        <p:strVal val="visible"/>
-                                      </p:to>
-                                    </p:set>
-                                    <p:animEffect transition="in" filter="barn(inHorizontal)">
-                                      <p:cBhvr>
-                                        <p:cTn id="7" dur="500"/>
-                                        <p:tgtEl>
-                                          <p:spTgt spid="6"/>
-                                        </p:tgtEl>
-                                      </p:cBhvr>
-                                    </p:animEffect>
-                                  </p:childTnLst>
-                                </p:cTn>
-                              </p:par>
-                            </p:childTnLst>
-                          </p:cTn>
-                        </p:par>
-                      </p:childTnLst>
-                    </p:cTn>
-                  </p:par>
-                </p:childTnLst>
-              </p:cTn>
-              <p:prevCondLst>
-                <p:cond evt="onPrev" delay="0">
-                  <p:tgtEl>
-                    <p:sldTgt/>
-                  </p:tgtEl>
-                </p:cond>
-              </p:prevCondLst>
-              <p:nextCondLst>
-                <p:cond evt="onNext" delay="0">
-                  <p:tgtEl>
-                    <p:sldTgt/>
-                  </p:tgtEl>
-                </p:cond>
-              </p:nextCondLst>
-            </p:seq>
-          </p:childTnLst>
-        </p:cTn>
+        <p:cTn id="1" dur="indefinite" restart="never" nodeType="tmRoot"/>
       </p:par>
     </p:tnLst>
-    <p:bldLst>
-      <p:bldP spid="6" grpId="0"/>
-    </p:bldLst>
   </p:timing>
   <p:hf hdr="0" ftr="0" dt="0"/>
   <p:txStyles>
@@ -8683,7 +8601,7 @@
               <a:rPr lang="hr-HR" smtClean="0"/>
               <a:t>2</a:t>
             </a:fld>
-            <a:endParaRPr lang="hr-HR"/>
+            <a:endParaRPr lang="hr-HR" dirty="0"/>
           </a:p>
         </p:txBody>
       </p:sp>
@@ -8766,7 +8684,6 @@
               <a:rPr lang="hr-HR" dirty="0" smtClean="0"/>
               <a:t>Ideja projekta je mogućnost naručivanja jela na internetu, bez potrebe telefonskog poziva</a:t>
             </a:r>
-            <a:endParaRPr lang="hr-HR" dirty="0" smtClean="0"/>
           </a:p>
           <a:p>
             <a:r>
@@ -8914,15 +8831,7 @@
             </a:pPr>
             <a:r>
               <a:rPr lang="hr-HR" b="1" dirty="0" smtClean="0"/>
-              <a:t>		Lista </a:t>
-            </a:r>
-            <a:r>
-              <a:rPr lang="hr-HR" b="1" dirty="0" smtClean="0"/>
-              <a:t>glavnih funkcionalnih </a:t>
-            </a:r>
-            <a:r>
-              <a:rPr lang="hr-HR" b="1" dirty="0" smtClean="0"/>
-              <a:t>zahtjeva</a:t>
+              <a:t>		Lista glavnih funkcionalnih zahtjeva</a:t>
             </a:r>
           </a:p>
           <a:p>
@@ -8964,7 +8873,6 @@
               <a:rPr lang="hr-HR" dirty="0" smtClean="0"/>
               <a:t>Može potvrđivati i odbijati narudžbe</a:t>
             </a:r>
-            <a:endParaRPr lang="hr-HR" dirty="0" smtClean="0"/>
           </a:p>
           <a:p>
             <a:pPr lvl="1"/>
@@ -9292,7 +9200,6 @@
               <a:rPr lang="hr-HR" dirty="0" smtClean="0"/>
               <a:t>Microsoft Word 2013</a:t>
             </a:r>
-            <a:endParaRPr lang="hr-HR" dirty="0" smtClean="0"/>
           </a:p>
           <a:p>
             <a:pPr marL="457200" lvl="1" indent="0">
@@ -9310,15 +9217,7 @@
             </a:r>
             <a:r>
               <a:rPr lang="hr-HR" b="1" dirty="0" smtClean="0"/>
-              <a:t>Korišteni </a:t>
-            </a:r>
-            <a:r>
-              <a:rPr lang="hr-HR" b="1" dirty="0" smtClean="0"/>
-              <a:t>programski jezici i </a:t>
-            </a:r>
-            <a:r>
-              <a:rPr lang="hr-HR" b="1" dirty="0" smtClean="0"/>
-              <a:t>tehnologije</a:t>
+              <a:t>Korišteni programski jezici i tehnologije</a:t>
             </a:r>
           </a:p>
           <a:p>
@@ -9489,7 +9388,6 @@
               <a:rPr lang="hr-HR" dirty="0" smtClean="0"/>
               <a:t>narudžbama</a:t>
             </a:r>
-            <a:endParaRPr lang="hr-HR" dirty="0" smtClean="0"/>
           </a:p>
         </p:txBody>
       </p:sp>

--- a/PrezentacijaProjekata.pptx
+++ b/PrezentacijaProjekata.pptx
@@ -2,22 +2,22 @@
 <file path=ppt/presentation.xml><?xml version="1.0" encoding="utf-8"?>
 <p:presentation xmlns:a="http://schemas.openxmlformats.org/drawingml/2006/main" xmlns:r="http://schemas.openxmlformats.org/officeDocument/2006/relationships" xmlns:p="http://schemas.openxmlformats.org/presentationml/2006/main" showSpecialPlsOnTitleSld="0" saveSubsetFonts="1">
   <p:sldMasterIdLst>
-    <p:sldMasterId id="2147483716" r:id="rId1"/>
+    <p:sldMasterId id="2147483648" r:id="rId1"/>
   </p:sldMasterIdLst>
   <p:notesMasterIdLst>
-    <p:notesMasterId r:id="rId12"/>
+    <p:notesMasterId r:id="rId13"/>
   </p:notesMasterIdLst>
   <p:sldIdLst>
-    <p:sldId id="256" r:id="rId2"/>
-    <p:sldId id="257" r:id="rId3"/>
-    <p:sldId id="258" r:id="rId4"/>
-    <p:sldId id="259" r:id="rId5"/>
-    <p:sldId id="266" r:id="rId6"/>
-    <p:sldId id="260" r:id="rId7"/>
-    <p:sldId id="261" r:id="rId8"/>
-    <p:sldId id="262" r:id="rId9"/>
-    <p:sldId id="263" r:id="rId10"/>
-    <p:sldId id="265" r:id="rId11"/>
+    <p:sldId id="256" r:id="rId3"/>
+    <p:sldId id="257" r:id="rId4"/>
+    <p:sldId id="258" r:id="rId5"/>
+    <p:sldId id="259" r:id="rId6"/>
+    <p:sldId id="266" r:id="rId7"/>
+    <p:sldId id="260" r:id="rId8"/>
+    <p:sldId id="261" r:id="rId9"/>
+    <p:sldId id="262" r:id="rId10"/>
+    <p:sldId id="263" r:id="rId11"/>
+    <p:sldId id="265" r:id="rId12"/>
   </p:sldIdLst>
   <p:sldSz cx="9144000" cy="6858000" type="screen4x3"/>
   <p:notesSz cx="6858000" cy="9144000"/>
@@ -116,11 +116,6 @@
       </a:defRPr>
     </a:lvl9pPr>
   </p:defaultTextStyle>
-  <p:extLst>
-    <p:ext uri="{EFAFB233-063F-42B5-8137-9DF3F51BA10A}">
-      <p15:sldGuideLst xmlns:p15="http://schemas.microsoft.com/office/powerpoint/2012/main"/>
-    </p:ext>
-  </p:extLst>
 </p:presentation>
 </file>
 
@@ -206,7 +201,6 @@
           <a:p>
             <a:fld id="{A57596D4-CB16-4BAD-83F6-7E8077D61F81}" type="datetimeFigureOut">
               <a:rPr lang="hr-HR" smtClean="0"/>
-              <a:t>25.1.2016.</a:t>
             </a:fld>
             <a:endParaRPr lang="hr-HR"/>
           </a:p>
@@ -273,6 +267,7 @@
               <a:rPr lang="en-US" smtClean="0"/>
               <a:t>Click to edit Master text styles</a:t>
             </a:r>
+            <a:endParaRPr lang="en-US" smtClean="0"/>
           </a:p>
           <a:p>
             <a:pPr lvl="1"/>
@@ -280,6 +275,7 @@
               <a:rPr lang="en-US" smtClean="0"/>
               <a:t>Second level</a:t>
             </a:r>
+            <a:endParaRPr lang="en-US" smtClean="0"/>
           </a:p>
           <a:p>
             <a:pPr lvl="2"/>
@@ -287,6 +283,7 @@
               <a:rPr lang="en-US" smtClean="0"/>
               <a:t>Third level</a:t>
             </a:r>
+            <a:endParaRPr lang="en-US" smtClean="0"/>
           </a:p>
           <a:p>
             <a:pPr lvl="3"/>
@@ -294,6 +291,7 @@
               <a:rPr lang="en-US" smtClean="0"/>
               <a:t>Fourth level</a:t>
             </a:r>
+            <a:endParaRPr lang="en-US" smtClean="0"/>
           </a:p>
           <a:p>
             <a:pPr lvl="4"/>
@@ -365,18 +363,12 @@
           <a:p>
             <a:fld id="{6945738E-9CB8-443D-AC33-32367D542132}" type="slidenum">
               <a:rPr lang="hr-HR" smtClean="0"/>
-              <a:t>‹#›</a:t>
             </a:fld>
             <a:endParaRPr lang="hr-HR"/>
           </a:p>
         </p:txBody>
       </p:sp>
     </p:spTree>
-    <p:extLst>
-      <p:ext uri="{BB962C8B-B14F-4D97-AF65-F5344CB8AC3E}">
-        <p14:creationId xmlns:p14="http://schemas.microsoft.com/office/powerpoint/2010/main" val="940785658"/>
-      </p:ext>
-    </p:extLst>
   </p:cSld>
   <p:clrMap bg1="lt1" tx1="dk1" bg2="lt2" tx2="dk2" accent1="accent1" accent2="accent2" accent3="accent3" accent4="accent4" accent5="accent5" accent6="accent6" hlink="hlink" folHlink="folHlink"/>
   <p:notesStyle>
@@ -662,7 +654,6 @@
           <a:p>
             <a:fld id="{96DFF08F-DC6B-4601-B491-B0F83F6DD2DA}" type="datetimeFigureOut">
               <a:rPr lang="en-US" smtClean="0"/>
-              <a:t>1/25/2016</a:t>
             </a:fld>
             <a:endParaRPr lang="en-US" dirty="0"/>
           </a:p>
@@ -785,7 +776,6 @@
           <a:p>
             <a:fld id="{4FAB73BC-B049-4115-A692-8D63A059BFB8}" type="slidenum">
               <a:rPr lang="en-US" smtClean="0"/>
-              <a:t>‹#›</a:t>
             </a:fld>
             <a:endParaRPr lang="en-US" dirty="0"/>
           </a:p>
@@ -811,8 +801,6 @@
           <a:ln w="9525">
             <a:noFill/>
             <a:miter lim="800000"/>
-            <a:headEnd/>
-            <a:tailEnd/>
           </a:ln>
           <a:effectLst/>
         </p:spPr>
@@ -850,11 +838,6 @@
         </p:txBody>
       </p:sp>
     </p:spTree>
-    <p:extLst>
-      <p:ext uri="{BB962C8B-B14F-4D97-AF65-F5344CB8AC3E}">
-        <p14:creationId xmlns:p14="http://schemas.microsoft.com/office/powerpoint/2010/main" val="2987383191"/>
-      </p:ext>
-    </p:extLst>
   </p:cSld>
   <p:clrMapOvr>
     <a:masterClrMapping/>
@@ -1133,7 +1116,6 @@
           <a:p>
             <a:fld id="{E46E8F5E-7C26-4DBA-9CDF-6E3092DFB447}" type="datetime1">
               <a:rPr lang="hr-HR" smtClean="0"/>
-              <a:t>25.1.2016.</a:t>
             </a:fld>
             <a:endParaRPr lang="hr-HR"/>
           </a:p>
@@ -1260,18 +1242,12 @@
           <a:p>
             <a:fld id="{FAA41844-C0CA-4144-9D6C-D993F0C0FAB4}" type="slidenum">
               <a:rPr lang="hr-HR" smtClean="0"/>
-              <a:t>‹#›</a:t>
             </a:fld>
             <a:endParaRPr lang="hr-HR"/>
           </a:p>
         </p:txBody>
       </p:sp>
     </p:spTree>
-    <p:extLst>
-      <p:ext uri="{BB962C8B-B14F-4D97-AF65-F5344CB8AC3E}">
-        <p14:creationId xmlns:p14="http://schemas.microsoft.com/office/powerpoint/2010/main" val="3284368122"/>
-      </p:ext>
-    </p:extLst>
   </p:cSld>
   <p:clrMapOvr>
     <a:masterClrMapping/>
@@ -1540,7 +1516,6 @@
           <a:p>
             <a:fld id="{E46E8F5E-7C26-4DBA-9CDF-6E3092DFB447}" type="datetime1">
               <a:rPr lang="hr-HR" smtClean="0"/>
-              <a:t>25.1.2016.</a:t>
             </a:fld>
             <a:endParaRPr lang="hr-HR"/>
           </a:p>
@@ -1667,7 +1642,6 @@
           <a:p>
             <a:fld id="{FAA41844-C0CA-4144-9D6C-D993F0C0FAB4}" type="slidenum">
               <a:rPr lang="hr-HR" smtClean="0"/>
-              <a:t>‹#›</a:t>
             </a:fld>
             <a:endParaRPr lang="hr-HR"/>
           </a:p>
@@ -1750,11 +1724,6 @@
         </p:txBody>
       </p:sp>
     </p:spTree>
-    <p:extLst>
-      <p:ext uri="{BB962C8B-B14F-4D97-AF65-F5344CB8AC3E}">
-        <p14:creationId xmlns:p14="http://schemas.microsoft.com/office/powerpoint/2010/main" val="2672767706"/>
-      </p:ext>
-    </p:extLst>
   </p:cSld>
   <p:clrMapOvr>
     <a:masterClrMapping/>
@@ -1882,7 +1851,6 @@
           <a:p>
             <a:fld id="{E46E8F5E-7C26-4DBA-9CDF-6E3092DFB447}" type="datetime1">
               <a:rPr lang="hr-HR" smtClean="0"/>
-              <a:t>25.1.2016.</a:t>
             </a:fld>
             <a:endParaRPr lang="hr-HR"/>
           </a:p>
@@ -2009,18 +1977,12 @@
           <a:p>
             <a:fld id="{FAA41844-C0CA-4144-9D6C-D993F0C0FAB4}" type="slidenum">
               <a:rPr lang="hr-HR" smtClean="0"/>
-              <a:t>‹#›</a:t>
             </a:fld>
             <a:endParaRPr lang="hr-HR"/>
           </a:p>
         </p:txBody>
       </p:sp>
     </p:spTree>
-    <p:extLst>
-      <p:ext uri="{BB962C8B-B14F-4D97-AF65-F5344CB8AC3E}">
-        <p14:creationId xmlns:p14="http://schemas.microsoft.com/office/powerpoint/2010/main" val="4262997274"/>
-      </p:ext>
-    </p:extLst>
   </p:cSld>
   <p:clrMapOvr>
     <a:masterClrMapping/>
@@ -2208,7 +2170,6 @@
           <a:p>
             <a:fld id="{E46E8F5E-7C26-4DBA-9CDF-6E3092DFB447}" type="datetime1">
               <a:rPr lang="hr-HR" smtClean="0"/>
-              <a:t>25.1.2016.</a:t>
             </a:fld>
             <a:endParaRPr lang="hr-HR"/>
           </a:p>
@@ -2335,7 +2296,6 @@
           <a:p>
             <a:fld id="{FAA41844-C0CA-4144-9D6C-D993F0C0FAB4}" type="slidenum">
               <a:rPr lang="hr-HR" smtClean="0"/>
-              <a:t>‹#›</a:t>
             </a:fld>
             <a:endParaRPr lang="hr-HR"/>
           </a:p>
@@ -2418,11 +2378,6 @@
         </p:txBody>
       </p:sp>
     </p:spTree>
-    <p:extLst>
-      <p:ext uri="{BB962C8B-B14F-4D97-AF65-F5344CB8AC3E}">
-        <p14:creationId xmlns:p14="http://schemas.microsoft.com/office/powerpoint/2010/main" val="166412179"/>
-      </p:ext>
-    </p:extLst>
   </p:cSld>
   <p:clrMapOvr>
     <a:masterClrMapping/>
@@ -2610,7 +2565,6 @@
           <a:p>
             <a:fld id="{E46E8F5E-7C26-4DBA-9CDF-6E3092DFB447}" type="datetime1">
               <a:rPr lang="hr-HR" smtClean="0"/>
-              <a:t>25.1.2016.</a:t>
             </a:fld>
             <a:endParaRPr lang="hr-HR"/>
           </a:p>
@@ -2737,18 +2691,12 @@
           <a:p>
             <a:fld id="{FAA41844-C0CA-4144-9D6C-D993F0C0FAB4}" type="slidenum">
               <a:rPr lang="hr-HR" smtClean="0"/>
-              <a:t>‹#›</a:t>
             </a:fld>
             <a:endParaRPr lang="hr-HR"/>
           </a:p>
         </p:txBody>
       </p:sp>
     </p:spTree>
-    <p:extLst>
-      <p:ext uri="{BB962C8B-B14F-4D97-AF65-F5344CB8AC3E}">
-        <p14:creationId xmlns:p14="http://schemas.microsoft.com/office/powerpoint/2010/main" val="3895370068"/>
-      </p:ext>
-    </p:extLst>
   </p:cSld>
   <p:clrMapOvr>
     <a:masterClrMapping/>
@@ -2824,6 +2772,7 @@
               <a:rPr lang="en-US" smtClean="0"/>
               <a:t>Click to edit Master text styles</a:t>
             </a:r>
+            <a:endParaRPr lang="en-US" smtClean="0"/>
           </a:p>
           <a:p>
             <a:pPr lvl="1"/>
@@ -2831,6 +2780,7 @@
               <a:rPr lang="en-US" smtClean="0"/>
               <a:t>Second level</a:t>
             </a:r>
+            <a:endParaRPr lang="en-US" smtClean="0"/>
           </a:p>
           <a:p>
             <a:pPr lvl="2"/>
@@ -2838,6 +2788,7 @@
               <a:rPr lang="en-US" smtClean="0"/>
               <a:t>Third level</a:t>
             </a:r>
+            <a:endParaRPr lang="en-US" smtClean="0"/>
           </a:p>
           <a:p>
             <a:pPr lvl="3"/>
@@ -2845,6 +2796,7 @@
               <a:rPr lang="en-US" smtClean="0"/>
               <a:t>Fourth level</a:t>
             </a:r>
+            <a:endParaRPr lang="en-US" smtClean="0"/>
           </a:p>
           <a:p>
             <a:pPr lvl="4"/>
@@ -2873,7 +2825,6 @@
           <a:p>
             <a:fld id="{5A590CB4-218A-4CCA-BEAE-011ADAE6ACC8}" type="datetime1">
               <a:rPr lang="hr-HR" smtClean="0"/>
-              <a:t>25.1.2016.</a:t>
             </a:fld>
             <a:endParaRPr lang="hr-HR"/>
           </a:p>
@@ -2995,18 +2946,12 @@
           <a:p>
             <a:fld id="{FAA41844-C0CA-4144-9D6C-D993F0C0FAB4}" type="slidenum">
               <a:rPr lang="hr-HR" smtClean="0"/>
-              <a:t>‹#›</a:t>
             </a:fld>
             <a:endParaRPr lang="hr-HR"/>
           </a:p>
         </p:txBody>
       </p:sp>
     </p:spTree>
-    <p:extLst>
-      <p:ext uri="{BB962C8B-B14F-4D97-AF65-F5344CB8AC3E}">
-        <p14:creationId xmlns:p14="http://schemas.microsoft.com/office/powerpoint/2010/main" val="1607718689"/>
-      </p:ext>
-    </p:extLst>
   </p:cSld>
   <p:clrMapOvr>
     <a:masterClrMapping/>
@@ -3091,6 +3036,7 @@
               <a:rPr lang="en-US" smtClean="0"/>
               <a:t>Click to edit Master text styles</a:t>
             </a:r>
+            <a:endParaRPr lang="en-US" smtClean="0"/>
           </a:p>
           <a:p>
             <a:pPr lvl="1"/>
@@ -3098,6 +3044,7 @@
               <a:rPr lang="en-US" smtClean="0"/>
               <a:t>Second level</a:t>
             </a:r>
+            <a:endParaRPr lang="en-US" smtClean="0"/>
           </a:p>
           <a:p>
             <a:pPr lvl="2"/>
@@ -3105,6 +3052,7 @@
               <a:rPr lang="en-US" smtClean="0"/>
               <a:t>Third level</a:t>
             </a:r>
+            <a:endParaRPr lang="en-US" smtClean="0"/>
           </a:p>
           <a:p>
             <a:pPr lvl="3"/>
@@ -3112,6 +3060,7 @@
               <a:rPr lang="en-US" smtClean="0"/>
               <a:t>Fourth level</a:t>
             </a:r>
+            <a:endParaRPr lang="en-US" smtClean="0"/>
           </a:p>
           <a:p>
             <a:pPr lvl="4"/>
@@ -3140,7 +3089,6 @@
           <a:p>
             <a:fld id="{EA6BA52F-C4DF-4AA5-962F-CAD7ED495DA5}" type="datetime1">
               <a:rPr lang="hr-HR" smtClean="0"/>
-              <a:t>25.1.2016.</a:t>
             </a:fld>
             <a:endParaRPr lang="hr-HR"/>
           </a:p>
@@ -3262,18 +3210,12 @@
           <a:p>
             <a:fld id="{FAA41844-C0CA-4144-9D6C-D993F0C0FAB4}" type="slidenum">
               <a:rPr lang="hr-HR" smtClean="0"/>
-              <a:t>‹#›</a:t>
             </a:fld>
             <a:endParaRPr lang="hr-HR"/>
           </a:p>
         </p:txBody>
       </p:sp>
     </p:spTree>
-    <p:extLst>
-      <p:ext uri="{BB962C8B-B14F-4D97-AF65-F5344CB8AC3E}">
-        <p14:creationId xmlns:p14="http://schemas.microsoft.com/office/powerpoint/2010/main" val="3553889778"/>
-      </p:ext>
-    </p:extLst>
   </p:cSld>
   <p:clrMapOvr>
     <a:masterClrMapping/>
@@ -3358,6 +3300,7 @@
               <a:rPr lang="en-US" smtClean="0"/>
               <a:t>Click to edit Master text styles</a:t>
             </a:r>
+            <a:endParaRPr lang="en-US" smtClean="0"/>
           </a:p>
           <a:p>
             <a:pPr lvl="1"/>
@@ -3365,6 +3308,7 @@
               <a:rPr lang="en-US" smtClean="0"/>
               <a:t>Second level</a:t>
             </a:r>
+            <a:endParaRPr lang="en-US" smtClean="0"/>
           </a:p>
           <a:p>
             <a:pPr lvl="2"/>
@@ -3372,6 +3316,7 @@
               <a:rPr lang="en-US" smtClean="0"/>
               <a:t>Third level</a:t>
             </a:r>
+            <a:endParaRPr lang="en-US" smtClean="0"/>
           </a:p>
           <a:p>
             <a:pPr lvl="3"/>
@@ -3379,6 +3324,7 @@
               <a:rPr lang="en-US" smtClean="0"/>
               <a:t>Fourth level</a:t>
             </a:r>
+            <a:endParaRPr lang="en-US" smtClean="0"/>
           </a:p>
           <a:p>
             <a:pPr lvl="4"/>
@@ -3407,7 +3353,6 @@
           <a:p>
             <a:fld id="{C52818E7-ABFF-4480-8F03-CC440F9A63C4}" type="datetime1">
               <a:rPr lang="hr-HR" smtClean="0"/>
-              <a:t>25.1.2016.</a:t>
             </a:fld>
             <a:endParaRPr lang="hr-HR"/>
           </a:p>
@@ -3529,18 +3474,12 @@
           <a:p>
             <a:fld id="{FAA41844-C0CA-4144-9D6C-D993F0C0FAB4}" type="slidenum">
               <a:rPr lang="hr-HR" smtClean="0"/>
-              <a:t>‹#›</a:t>
             </a:fld>
             <a:endParaRPr lang="hr-HR"/>
           </a:p>
         </p:txBody>
       </p:sp>
     </p:spTree>
-    <p:extLst>
-      <p:ext uri="{BB962C8B-B14F-4D97-AF65-F5344CB8AC3E}">
-        <p14:creationId xmlns:p14="http://schemas.microsoft.com/office/powerpoint/2010/main" val="3067530500"/>
-      </p:ext>
-    </p:extLst>
   </p:cSld>
   <p:clrMapOvr>
     <a:masterClrMapping/>
@@ -3741,7 +3680,6 @@
           <a:p>
             <a:fld id="{F202F203-09C5-431C-AB2D-D03BD51964A2}" type="datetime1">
               <a:rPr lang="hr-HR" smtClean="0"/>
-              <a:t>25.1.2016.</a:t>
             </a:fld>
             <a:endParaRPr lang="hr-HR"/>
           </a:p>
@@ -3868,18 +3806,12 @@
           <a:p>
             <a:fld id="{FAA41844-C0CA-4144-9D6C-D993F0C0FAB4}" type="slidenum">
               <a:rPr lang="hr-HR" smtClean="0"/>
-              <a:t>‹#›</a:t>
             </a:fld>
             <a:endParaRPr lang="hr-HR"/>
           </a:p>
         </p:txBody>
       </p:sp>
     </p:spTree>
-    <p:extLst>
-      <p:ext uri="{BB962C8B-B14F-4D97-AF65-F5344CB8AC3E}">
-        <p14:creationId xmlns:p14="http://schemas.microsoft.com/office/powerpoint/2010/main" val="1734413789"/>
-      </p:ext>
-    </p:extLst>
   </p:cSld>
   <p:clrMapOvr>
     <a:masterClrMapping/>
@@ -3961,6 +3893,7 @@
               <a:rPr lang="en-US" smtClean="0"/>
               <a:t>Click to edit Master text styles</a:t>
             </a:r>
+            <a:endParaRPr lang="en-US" smtClean="0"/>
           </a:p>
           <a:p>
             <a:pPr lvl="1"/>
@@ -3968,6 +3901,7 @@
               <a:rPr lang="en-US" smtClean="0"/>
               <a:t>Second level</a:t>
             </a:r>
+            <a:endParaRPr lang="en-US" smtClean="0"/>
           </a:p>
           <a:p>
             <a:pPr lvl="2"/>
@@ -3975,6 +3909,7 @@
               <a:rPr lang="en-US" smtClean="0"/>
               <a:t>Third level</a:t>
             </a:r>
+            <a:endParaRPr lang="en-US" smtClean="0"/>
           </a:p>
           <a:p>
             <a:pPr lvl="3"/>
@@ -3982,6 +3917,7 @@
               <a:rPr lang="en-US" smtClean="0"/>
               <a:t>Fourth level</a:t>
             </a:r>
+            <a:endParaRPr lang="en-US" smtClean="0"/>
           </a:p>
           <a:p>
             <a:pPr lvl="4"/>
@@ -4020,6 +3956,7 @@
               <a:rPr lang="en-US" smtClean="0"/>
               <a:t>Click to edit Master text styles</a:t>
             </a:r>
+            <a:endParaRPr lang="en-US" smtClean="0"/>
           </a:p>
           <a:p>
             <a:pPr lvl="1"/>
@@ -4027,6 +3964,7 @@
               <a:rPr lang="en-US" smtClean="0"/>
               <a:t>Second level</a:t>
             </a:r>
+            <a:endParaRPr lang="en-US" smtClean="0"/>
           </a:p>
           <a:p>
             <a:pPr lvl="2"/>
@@ -4034,6 +3972,7 @@
               <a:rPr lang="en-US" smtClean="0"/>
               <a:t>Third level</a:t>
             </a:r>
+            <a:endParaRPr lang="en-US" smtClean="0"/>
           </a:p>
           <a:p>
             <a:pPr lvl="3"/>
@@ -4041,6 +3980,7 @@
               <a:rPr lang="en-US" smtClean="0"/>
               <a:t>Fourth level</a:t>
             </a:r>
+            <a:endParaRPr lang="en-US" smtClean="0"/>
           </a:p>
           <a:p>
             <a:pPr lvl="4"/>
@@ -4069,7 +4009,6 @@
           <a:p>
             <a:fld id="{E3454F60-7DDE-4B35-AFE3-9F1E6C31A69B}" type="datetime1">
               <a:rPr lang="hr-HR" smtClean="0"/>
-              <a:t>25.1.2016.</a:t>
             </a:fld>
             <a:endParaRPr lang="hr-HR"/>
           </a:p>
@@ -4196,18 +4135,12 @@
           <a:p>
             <a:fld id="{FAA41844-C0CA-4144-9D6C-D993F0C0FAB4}" type="slidenum">
               <a:rPr lang="hr-HR" smtClean="0"/>
-              <a:t>‹#›</a:t>
             </a:fld>
             <a:endParaRPr lang="hr-HR"/>
           </a:p>
         </p:txBody>
       </p:sp>
     </p:spTree>
-    <p:extLst>
-      <p:ext uri="{BB962C8B-B14F-4D97-AF65-F5344CB8AC3E}">
-        <p14:creationId xmlns:p14="http://schemas.microsoft.com/office/powerpoint/2010/main" val="2989429184"/>
-      </p:ext>
-    </p:extLst>
   </p:cSld>
   <p:clrMapOvr>
     <a:masterClrMapping/>
@@ -4356,6 +4289,7 @@
               <a:rPr lang="en-US" smtClean="0"/>
               <a:t>Click to edit Master text styles</a:t>
             </a:r>
+            <a:endParaRPr lang="en-US" smtClean="0"/>
           </a:p>
           <a:p>
             <a:pPr lvl="1"/>
@@ -4363,6 +4297,7 @@
               <a:rPr lang="en-US" smtClean="0"/>
               <a:t>Second level</a:t>
             </a:r>
+            <a:endParaRPr lang="en-US" smtClean="0"/>
           </a:p>
           <a:p>
             <a:pPr lvl="2"/>
@@ -4370,6 +4305,7 @@
               <a:rPr lang="en-US" smtClean="0"/>
               <a:t>Third level</a:t>
             </a:r>
+            <a:endParaRPr lang="en-US" smtClean="0"/>
           </a:p>
           <a:p>
             <a:pPr lvl="3"/>
@@ -4377,6 +4313,7 @@
               <a:rPr lang="en-US" smtClean="0"/>
               <a:t>Fourth level</a:t>
             </a:r>
+            <a:endParaRPr lang="en-US" smtClean="0"/>
           </a:p>
           <a:p>
             <a:pPr lvl="4"/>
@@ -4482,6 +4419,7 @@
               <a:rPr lang="en-US" smtClean="0"/>
               <a:t>Click to edit Master text styles</a:t>
             </a:r>
+            <a:endParaRPr lang="en-US" smtClean="0"/>
           </a:p>
           <a:p>
             <a:pPr lvl="1"/>
@@ -4489,6 +4427,7 @@
               <a:rPr lang="en-US" smtClean="0"/>
               <a:t>Second level</a:t>
             </a:r>
+            <a:endParaRPr lang="en-US" smtClean="0"/>
           </a:p>
           <a:p>
             <a:pPr lvl="2"/>
@@ -4496,6 +4435,7 @@
               <a:rPr lang="en-US" smtClean="0"/>
               <a:t>Third level</a:t>
             </a:r>
+            <a:endParaRPr lang="en-US" smtClean="0"/>
           </a:p>
           <a:p>
             <a:pPr lvl="3"/>
@@ -4503,6 +4443,7 @@
               <a:rPr lang="en-US" smtClean="0"/>
               <a:t>Fourth level</a:t>
             </a:r>
+            <a:endParaRPr lang="en-US" smtClean="0"/>
           </a:p>
           <a:p>
             <a:pPr lvl="4"/>
@@ -4531,7 +4472,6 @@
           <a:p>
             <a:fld id="{D22573F1-5C2B-48C9-8C9E-4D8B2BEF08B4}" type="datetime1">
               <a:rPr lang="hr-HR" smtClean="0"/>
-              <a:t>25.1.2016.</a:t>
             </a:fld>
             <a:endParaRPr lang="hr-HR"/>
           </a:p>
@@ -4658,18 +4598,12 @@
           <a:p>
             <a:fld id="{FAA41844-C0CA-4144-9D6C-D993F0C0FAB4}" type="slidenum">
               <a:rPr lang="hr-HR" smtClean="0"/>
-              <a:t>‹#›</a:t>
             </a:fld>
             <a:endParaRPr lang="hr-HR"/>
           </a:p>
         </p:txBody>
       </p:sp>
     </p:spTree>
-    <p:extLst>
-      <p:ext uri="{BB962C8B-B14F-4D97-AF65-F5344CB8AC3E}">
-        <p14:creationId xmlns:p14="http://schemas.microsoft.com/office/powerpoint/2010/main" val="77095999"/>
-      </p:ext>
-    </p:extLst>
   </p:cSld>
   <p:clrMapOvr>
     <a:masterClrMapping/>
@@ -4746,7 +4680,6 @@
           <a:p>
             <a:fld id="{20AD4A67-1CCA-4A9E-903B-4F6B787BD960}" type="datetime1">
               <a:rPr lang="hr-HR" smtClean="0"/>
-              <a:t>25.1.2016.</a:t>
             </a:fld>
             <a:endParaRPr lang="hr-HR"/>
           </a:p>
@@ -4868,18 +4801,12 @@
           <a:p>
             <a:fld id="{FAA41844-C0CA-4144-9D6C-D993F0C0FAB4}" type="slidenum">
               <a:rPr lang="hr-HR" smtClean="0"/>
-              <a:t>‹#›</a:t>
             </a:fld>
             <a:endParaRPr lang="hr-HR"/>
           </a:p>
         </p:txBody>
       </p:sp>
     </p:spTree>
-    <p:extLst>
-      <p:ext uri="{BB962C8B-B14F-4D97-AF65-F5344CB8AC3E}">
-        <p14:creationId xmlns:p14="http://schemas.microsoft.com/office/powerpoint/2010/main" val="1429859661"/>
-      </p:ext>
-    </p:extLst>
   </p:cSld>
   <p:clrMapOvr>
     <a:masterClrMapping/>
@@ -4928,7 +4855,6 @@
           <a:p>
             <a:fld id="{363FF31A-4AE5-4C37-94CD-CD9886704523}" type="datetime1">
               <a:rPr lang="hr-HR" smtClean="0"/>
-              <a:t>25.1.2016.</a:t>
             </a:fld>
             <a:endParaRPr lang="hr-HR"/>
           </a:p>
@@ -5050,18 +4976,12 @@
           <a:p>
             <a:fld id="{FAA41844-C0CA-4144-9D6C-D993F0C0FAB4}" type="slidenum">
               <a:rPr lang="hr-HR" smtClean="0"/>
-              <a:t>‹#›</a:t>
             </a:fld>
             <a:endParaRPr lang="hr-HR"/>
           </a:p>
         </p:txBody>
       </p:sp>
     </p:spTree>
-    <p:extLst>
-      <p:ext uri="{BB962C8B-B14F-4D97-AF65-F5344CB8AC3E}">
-        <p14:creationId xmlns:p14="http://schemas.microsoft.com/office/powerpoint/2010/main" val="1816211176"/>
-      </p:ext>
-    </p:extLst>
   </p:cSld>
   <p:clrMapOvr>
     <a:masterClrMapping/>
@@ -5152,6 +5072,7 @@
               <a:rPr lang="en-US" smtClean="0"/>
               <a:t>Click to edit Master text styles</a:t>
             </a:r>
+            <a:endParaRPr lang="en-US" smtClean="0"/>
           </a:p>
           <a:p>
             <a:pPr lvl="1"/>
@@ -5159,6 +5080,7 @@
               <a:rPr lang="en-US" smtClean="0"/>
               <a:t>Second level</a:t>
             </a:r>
+            <a:endParaRPr lang="en-US" smtClean="0"/>
           </a:p>
           <a:p>
             <a:pPr lvl="2"/>
@@ -5166,6 +5088,7 @@
               <a:rPr lang="en-US" smtClean="0"/>
               <a:t>Third level</a:t>
             </a:r>
+            <a:endParaRPr lang="en-US" smtClean="0"/>
           </a:p>
           <a:p>
             <a:pPr lvl="3"/>
@@ -5173,6 +5096,7 @@
               <a:rPr lang="en-US" smtClean="0"/>
               <a:t>Fourth level</a:t>
             </a:r>
+            <a:endParaRPr lang="en-US" smtClean="0"/>
           </a:p>
           <a:p>
             <a:pPr lvl="4"/>
@@ -5266,7 +5190,6 @@
           <a:p>
             <a:fld id="{688E8626-3057-4236-99AD-A8C2D8BF1A60}" type="datetime1">
               <a:rPr lang="hr-HR" smtClean="0"/>
-              <a:t>25.1.2016.</a:t>
             </a:fld>
             <a:endParaRPr lang="hr-HR"/>
           </a:p>
@@ -5388,18 +5311,12 @@
           <a:p>
             <a:fld id="{FAA41844-C0CA-4144-9D6C-D993F0C0FAB4}" type="slidenum">
               <a:rPr lang="hr-HR" smtClean="0"/>
-              <a:t>‹#›</a:t>
             </a:fld>
             <a:endParaRPr lang="hr-HR"/>
           </a:p>
         </p:txBody>
       </p:sp>
     </p:spTree>
-    <p:extLst>
-      <p:ext uri="{BB962C8B-B14F-4D97-AF65-F5344CB8AC3E}">
-        <p14:creationId xmlns:p14="http://schemas.microsoft.com/office/powerpoint/2010/main" val="2482229318"/>
-      </p:ext>
-    </p:extLst>
   </p:cSld>
   <p:clrMapOvr>
     <a:masterClrMapping/>
@@ -5616,7 +5533,6 @@
           <a:p>
             <a:fld id="{A0AF60AB-6BD9-4607-9602-B328F414B3C8}" type="datetime1">
               <a:rPr lang="hr-HR" smtClean="0"/>
-              <a:t>25.1.2016.</a:t>
             </a:fld>
             <a:endParaRPr lang="hr-HR"/>
           </a:p>
@@ -5743,18 +5659,12 @@
           <a:p>
             <a:fld id="{FAA41844-C0CA-4144-9D6C-D993F0C0FAB4}" type="slidenum">
               <a:rPr lang="hr-HR" smtClean="0"/>
-              <a:t>‹#›</a:t>
             </a:fld>
             <a:endParaRPr lang="hr-HR"/>
           </a:p>
         </p:txBody>
       </p:sp>
     </p:spTree>
-    <p:extLst>
-      <p:ext uri="{BB962C8B-B14F-4D97-AF65-F5344CB8AC3E}">
-        <p14:creationId xmlns:p14="http://schemas.microsoft.com/office/powerpoint/2010/main" val="4116910692"/>
-      </p:ext>
-    </p:extLst>
   </p:cSld>
   <p:clrMapOvr>
     <a:masterClrMapping/>
@@ -7671,6 +7581,7 @@
               <a:rPr lang="en-US" smtClean="0"/>
               <a:t>Click to edit Master text styles</a:t>
             </a:r>
+            <a:endParaRPr lang="en-US" smtClean="0"/>
           </a:p>
           <a:p>
             <a:pPr lvl="1"/>
@@ -7678,6 +7589,7 @@
               <a:rPr lang="en-US" smtClean="0"/>
               <a:t>Second level</a:t>
             </a:r>
+            <a:endParaRPr lang="en-US" smtClean="0"/>
           </a:p>
           <a:p>
             <a:pPr lvl="2"/>
@@ -7685,6 +7597,7 @@
               <a:rPr lang="en-US" smtClean="0"/>
               <a:t>Third level</a:t>
             </a:r>
+            <a:endParaRPr lang="en-US" smtClean="0"/>
           </a:p>
           <a:p>
             <a:pPr lvl="3"/>
@@ -7692,6 +7605,7 @@
               <a:rPr lang="en-US" smtClean="0"/>
               <a:t>Fourth level</a:t>
             </a:r>
+            <a:endParaRPr lang="en-US" smtClean="0"/>
           </a:p>
           <a:p>
             <a:pPr lvl="4"/>
@@ -7738,7 +7652,6 @@
           <a:p>
             <a:fld id="{E46E8F5E-7C26-4DBA-9CDF-6E3092DFB447}" type="datetime1">
               <a:rPr lang="hr-HR" smtClean="0"/>
-              <a:t>25.1.2016.</a:t>
             </a:fld>
             <a:endParaRPr lang="hr-HR"/>
           </a:p>
@@ -7814,37 +7727,31 @@
           <a:p>
             <a:fld id="{FAA41844-C0CA-4144-9D6C-D993F0C0FAB4}" type="slidenum">
               <a:rPr lang="hr-HR" smtClean="0"/>
-              <a:t>‹#›</a:t>
             </a:fld>
             <a:endParaRPr lang="hr-HR"/>
           </a:p>
         </p:txBody>
       </p:sp>
     </p:spTree>
-    <p:extLst>
-      <p:ext uri="{BB962C8B-B14F-4D97-AF65-F5344CB8AC3E}">
-        <p14:creationId xmlns:p14="http://schemas.microsoft.com/office/powerpoint/2010/main" val="1250941934"/>
-      </p:ext>
-    </p:extLst>
   </p:cSld>
   <p:clrMap bg1="lt1" tx1="dk1" bg2="lt2" tx2="dk2" accent1="accent1" accent2="accent2" accent3="accent3" accent4="accent4" accent5="accent5" accent6="accent6" hlink="hlink" folHlink="folHlink"/>
   <p:sldLayoutIdLst>
-    <p:sldLayoutId id="2147483717" r:id="rId1"/>
-    <p:sldLayoutId id="2147483718" r:id="rId2"/>
-    <p:sldLayoutId id="2147483719" r:id="rId3"/>
-    <p:sldLayoutId id="2147483720" r:id="rId4"/>
-    <p:sldLayoutId id="2147483721" r:id="rId5"/>
-    <p:sldLayoutId id="2147483722" r:id="rId6"/>
-    <p:sldLayoutId id="2147483723" r:id="rId7"/>
-    <p:sldLayoutId id="2147483724" r:id="rId8"/>
-    <p:sldLayoutId id="2147483725" r:id="rId9"/>
-    <p:sldLayoutId id="2147483726" r:id="rId10"/>
-    <p:sldLayoutId id="2147483727" r:id="rId11"/>
-    <p:sldLayoutId id="2147483728" r:id="rId12"/>
-    <p:sldLayoutId id="2147483729" r:id="rId13"/>
-    <p:sldLayoutId id="2147483730" r:id="rId14"/>
-    <p:sldLayoutId id="2147483731" r:id="rId15"/>
-    <p:sldLayoutId id="2147483732" r:id="rId16"/>
+    <p:sldLayoutId id="2147483649" r:id="rId1"/>
+    <p:sldLayoutId id="2147483650" r:id="rId2"/>
+    <p:sldLayoutId id="2147483651" r:id="rId3"/>
+    <p:sldLayoutId id="2147483652" r:id="rId4"/>
+    <p:sldLayoutId id="2147483653" r:id="rId5"/>
+    <p:sldLayoutId id="2147483654" r:id="rId6"/>
+    <p:sldLayoutId id="2147483655" r:id="rId7"/>
+    <p:sldLayoutId id="2147483656" r:id="rId8"/>
+    <p:sldLayoutId id="2147483657" r:id="rId9"/>
+    <p:sldLayoutId id="2147483658" r:id="rId10"/>
+    <p:sldLayoutId id="2147483659" r:id="rId11"/>
+    <p:sldLayoutId id="2147483660" r:id="rId12"/>
+    <p:sldLayoutId id="2147483661" r:id="rId13"/>
+    <p:sldLayoutId id="2147483662" r:id="rId14"/>
+    <p:sldLayoutId id="2147483663" r:id="rId15"/>
+    <p:sldLayoutId id="2147483664" r:id="rId16"/>
   </p:sldLayoutIdLst>
   <p:timing>
     <p:tnLst>
@@ -8404,11 +8311,6 @@
         </p:txBody>
       </p:sp>
     </p:spTree>
-    <p:extLst>
-      <p:ext uri="{BB962C8B-B14F-4D97-AF65-F5344CB8AC3E}">
-        <p14:creationId xmlns:p14="http://schemas.microsoft.com/office/powerpoint/2010/main" val="3853769327"/>
-      </p:ext>
-    </p:extLst>
   </p:cSld>
   <p:clrMapOvr>
     <a:masterClrMapping/>
@@ -8478,42 +8380,76 @@
           <a:bodyPr/>
           <a:lstStyle/>
           <a:p>
+            <a:pPr>
+              <a:buFont typeface="Arial" panose="02080604020202020204" charset="0"/>
+              <a:buChar char="•"/>
+            </a:pPr>
             <a:r>
               <a:rPr lang="hr-HR" dirty="0" smtClean="0"/>
               <a:t>Fredi Šarić, fredi.saric@fer.hr</a:t>
             </a:r>
-          </a:p>
-          <a:p>
+            <a:endParaRPr lang="hr-HR" dirty="0" smtClean="0"/>
+          </a:p>
+          <a:p>
+            <a:pPr>
+              <a:buFont typeface="Arial" panose="02080604020202020204" charset="0"/>
+              <a:buChar char="•"/>
+            </a:pPr>
             <a:r>
               <a:rPr lang="hr-HR" dirty="0" smtClean="0"/>
               <a:t>Filip Gulan, filip.gulan@fer.hr</a:t>
             </a:r>
-          </a:p>
-          <a:p>
+            <a:endParaRPr lang="hr-HR" dirty="0" smtClean="0"/>
+          </a:p>
+          <a:p>
+            <a:pPr>
+              <a:buFont typeface="Arial" panose="02080604020202020204" charset="0"/>
+              <a:buChar char="•"/>
+            </a:pPr>
             <a:r>
               <a:rPr lang="hr-HR" dirty="0" smtClean="0"/>
               <a:t>Matej Janjić, matej.janjic@fer.hr</a:t>
             </a:r>
-          </a:p>
-          <a:p>
+            <a:endParaRPr lang="hr-HR" dirty="0" smtClean="0"/>
+          </a:p>
+          <a:p>
+            <a:pPr>
+              <a:buFont typeface="Arial" panose="02080604020202020204" charset="0"/>
+              <a:buChar char="•"/>
+            </a:pPr>
             <a:r>
               <a:rPr lang="hr-HR" dirty="0" smtClean="0"/>
               <a:t>Jan Kelemen, jan.kelemen@fer.hr</a:t>
             </a:r>
-          </a:p>
-          <a:p>
+            <a:endParaRPr lang="hr-HR" dirty="0" smtClean="0"/>
+          </a:p>
+          <a:p>
+            <a:pPr>
+              <a:buFont typeface="Arial" panose="02080604020202020204" charset="0"/>
+              <a:buChar char="•"/>
+            </a:pPr>
             <a:r>
               <a:rPr lang="hr-HR" dirty="0" smtClean="0"/>
               <a:t>Kenneth Kostrešević, kenneth.kostresevic@fer.hr</a:t>
             </a:r>
-          </a:p>
-          <a:p>
+            <a:endParaRPr lang="hr-HR" dirty="0" smtClean="0"/>
+          </a:p>
+          <a:p>
+            <a:pPr>
+              <a:buFont typeface="Arial" panose="02080604020202020204" charset="0"/>
+              <a:buChar char="•"/>
+            </a:pPr>
             <a:r>
               <a:rPr lang="hr-HR" dirty="0" smtClean="0"/>
               <a:t>Domagoj Latečki, domagoj.latecki@fer.hr</a:t>
             </a:r>
-          </a:p>
-          <a:p>
+            <a:endParaRPr lang="hr-HR" dirty="0" smtClean="0"/>
+          </a:p>
+          <a:p>
+            <a:pPr>
+              <a:buFont typeface="Arial" panose="02080604020202020204" charset="0"/>
+              <a:buChar char="•"/>
+            </a:pPr>
             <a:r>
               <a:rPr lang="hr-HR" dirty="0" smtClean="0"/>
               <a:t>Tin Trčak, tin.trcak@fer.hr</a:t>
@@ -8539,18 +8475,12 @@
           <a:p>
             <a:fld id="{FAA41844-C0CA-4144-9D6C-D993F0C0FAB4}" type="slidenum">
               <a:rPr lang="hr-HR" smtClean="0"/>
-              <a:t>10</a:t>
             </a:fld>
             <a:endParaRPr lang="hr-HR"/>
           </a:p>
         </p:txBody>
       </p:sp>
     </p:spTree>
-    <p:extLst>
-      <p:ext uri="{BB962C8B-B14F-4D97-AF65-F5344CB8AC3E}">
-        <p14:creationId xmlns:p14="http://schemas.microsoft.com/office/powerpoint/2010/main" val="2932141061"/>
-      </p:ext>
-    </p:extLst>
   </p:cSld>
   <p:clrMapOvr>
     <a:masterClrMapping/>
@@ -8620,36 +8550,65 @@
           <a:bodyPr/>
           <a:lstStyle/>
           <a:p>
+            <a:pPr>
+              <a:buFont typeface="Arial" panose="02080604020202020204" charset="0"/>
+              <a:buChar char="•"/>
+            </a:pPr>
             <a:r>
               <a:rPr lang="hr-HR" dirty="0" smtClean="0"/>
               <a:t>Opis zadatka</a:t>
             </a:r>
-          </a:p>
-          <a:p>
+            <a:endParaRPr lang="hr-HR" dirty="0" smtClean="0"/>
+          </a:p>
+          <a:p>
+            <a:pPr>
+              <a:buFont typeface="Arial" panose="02080604020202020204" charset="0"/>
+              <a:buChar char="•"/>
+            </a:pPr>
             <a:r>
               <a:rPr lang="hr-HR" dirty="0" smtClean="0"/>
               <a:t>Pregled zahtjeva</a:t>
             </a:r>
-          </a:p>
-          <a:p>
+            <a:endParaRPr lang="hr-HR" dirty="0" smtClean="0"/>
+          </a:p>
+          <a:p>
+            <a:pPr>
+              <a:buFont typeface="Arial" panose="02080604020202020204" charset="0"/>
+              <a:buChar char="•"/>
+            </a:pPr>
             <a:r>
               <a:rPr lang="hr-HR" dirty="0" smtClean="0"/>
               <a:t>Korišteni alati i tehnologije</a:t>
             </a:r>
-          </a:p>
-          <a:p>
+            <a:endParaRPr lang="hr-HR" dirty="0" smtClean="0"/>
+          </a:p>
+          <a:p>
+            <a:pPr>
+              <a:buFont typeface="Arial" panose="02080604020202020204" charset="0"/>
+              <a:buChar char="•"/>
+            </a:pPr>
             <a:r>
               <a:rPr lang="hr-HR" dirty="0" smtClean="0"/>
               <a:t>Arhitektura</a:t>
             </a:r>
-          </a:p>
-          <a:p>
+            <a:endParaRPr lang="hr-HR" dirty="0" smtClean="0"/>
+          </a:p>
+          <a:p>
+            <a:pPr>
+              <a:buFont typeface="Arial" panose="02080604020202020204" charset="0"/>
+              <a:buChar char="•"/>
+            </a:pPr>
             <a:r>
               <a:rPr lang="hr-HR" dirty="0" smtClean="0"/>
               <a:t>Organizacija rada </a:t>
             </a:r>
-          </a:p>
-          <a:p>
+            <a:endParaRPr lang="hr-HR" dirty="0" smtClean="0"/>
+          </a:p>
+          <a:p>
+            <a:pPr>
+              <a:buFont typeface="Arial" panose="02080604020202020204" charset="0"/>
+              <a:buChar char="•"/>
+            </a:pPr>
             <a:r>
               <a:rPr lang="hr-HR" dirty="0" smtClean="0"/>
               <a:t>Iskustva</a:t>
@@ -8657,6 +8616,10 @@
             <a:endParaRPr lang="hr-HR" dirty="0"/>
           </a:p>
           <a:p>
+            <a:pPr>
+              <a:buFont typeface="Arial" panose="02080604020202020204" charset="0"/>
+              <a:buChar char="•"/>
+            </a:pPr>
             <a:r>
               <a:rPr lang="hr-HR" dirty="0" smtClean="0"/>
               <a:t>Popis članova grupe</a:t>
@@ -8681,18 +8644,12 @@
           <a:p>
             <a:fld id="{FAA41844-C0CA-4144-9D6C-D993F0C0FAB4}" type="slidenum">
               <a:rPr lang="hr-HR" smtClean="0"/>
-              <a:t>2</a:t>
             </a:fld>
             <a:endParaRPr lang="hr-HR"/>
           </a:p>
         </p:txBody>
       </p:sp>
     </p:spTree>
-    <p:extLst>
-      <p:ext uri="{BB962C8B-B14F-4D97-AF65-F5344CB8AC3E}">
-        <p14:creationId xmlns:p14="http://schemas.microsoft.com/office/powerpoint/2010/main" val="1307531060"/>
-      </p:ext>
-    </p:extLst>
   </p:cSld>
   <p:clrMapOvr>
     <a:masterClrMapping/>
@@ -8762,6 +8719,10 @@
           <a:bodyPr/>
           <a:lstStyle/>
           <a:p>
+            <a:pPr>
+              <a:buFont typeface="Arial" panose="02080604020202020204" charset="0"/>
+              <a:buChar char="•"/>
+            </a:pPr>
             <a:r>
               <a:rPr lang="hr-HR" dirty="0" smtClean="0"/>
               <a:t>Ideja projekta je mogućnost naručivanja jela na internetu, bez potrebe telefonskog poziva</a:t>
@@ -8769,6 +8730,10 @@
             <a:endParaRPr lang="hr-HR" dirty="0" smtClean="0"/>
           </a:p>
           <a:p>
+            <a:pPr>
+              <a:buFont typeface="Arial" panose="02080604020202020204" charset="0"/>
+              <a:buChar char="•"/>
+            </a:pPr>
             <a:r>
               <a:rPr lang="hr-HR" dirty="0"/>
               <a:t>Cilj ovoga projekta je </a:t>
@@ -8785,8 +8750,13 @@
               <a:rPr lang="hr-HR" dirty="0" smtClean="0"/>
               <a:t>jela</a:t>
             </a:r>
-          </a:p>
-          <a:p>
+            <a:endParaRPr lang="hr-HR" dirty="0" smtClean="0"/>
+          </a:p>
+          <a:p>
+            <a:pPr>
+              <a:buFont typeface="Arial" panose="02080604020202020204" charset="0"/>
+              <a:buChar char="•"/>
+            </a:pPr>
             <a:r>
               <a:rPr lang="hr-HR" dirty="0" smtClean="0"/>
               <a:t>Svrha stranice je olakšano naručivanje jela klijentima</a:t>
@@ -8794,13 +8764,21 @@
             <a:endParaRPr lang="hr-HR" dirty="0"/>
           </a:p>
           <a:p>
+            <a:pPr>
+              <a:buFont typeface="Arial" panose="02080604020202020204" charset="0"/>
+              <a:buChar char="•"/>
+            </a:pPr>
             <a:r>
               <a:rPr lang="hr-HR" dirty="0" smtClean="0"/>
               <a:t>Na tržištu postoji slična stranica – pauza.hr</a:t>
             </a:r>
-          </a:p>
-          <a:p>
-            <a:pPr lvl="1"/>
+            <a:endParaRPr lang="hr-HR" dirty="0" smtClean="0"/>
+          </a:p>
+          <a:p>
+            <a:pPr lvl="1">
+              <a:buFont typeface="Arial" panose="02080604020202020204" charset="0"/>
+              <a:buChar char="•"/>
+            </a:pPr>
             <a:r>
               <a:rPr lang="hr-HR" dirty="0" smtClean="0"/>
               <a:t>Naša stranica je jednostavnija od stranice pauza.hr, ali jednako funkcionalna</a:t>
@@ -8826,18 +8804,12 @@
           <a:p>
             <a:fld id="{FAA41844-C0CA-4144-9D6C-D993F0C0FAB4}" type="slidenum">
               <a:rPr lang="hr-HR" smtClean="0"/>
-              <a:t>3</a:t>
             </a:fld>
             <a:endParaRPr lang="hr-HR"/>
           </a:p>
         </p:txBody>
       </p:sp>
     </p:spTree>
-    <p:extLst>
-      <p:ext uri="{BB962C8B-B14F-4D97-AF65-F5344CB8AC3E}">
-        <p14:creationId xmlns:p14="http://schemas.microsoft.com/office/powerpoint/2010/main" val="1428908178"/>
-      </p:ext>
-    </p:extLst>
   </p:cSld>
   <p:clrMapOvr>
     <a:masterClrMapping/>
@@ -8902,10 +8874,15 @@
             <p:ph idx="1"/>
           </p:nvPr>
         </p:nvSpPr>
-        <p:spPr/>
+        <p:spPr>
+          <a:xfrm>
+            <a:off x="979170" y="1505585"/>
+            <a:ext cx="7555865" cy="5208270"/>
+          </a:xfrm>
+        </p:spPr>
         <p:txBody>
           <a:bodyPr>
-            <a:normAutofit fontScale="85000" lnSpcReduction="20000"/>
+            <a:normAutofit/>
           </a:bodyPr>
           <a:lstStyle/>
           <a:p>
@@ -8914,52 +8891,70 @@
             </a:pPr>
             <a:r>
               <a:rPr lang="hr-HR" b="1" dirty="0" smtClean="0"/>
-              <a:t>		Lista </a:t>
-            </a:r>
-            <a:r>
-              <a:rPr lang="hr-HR" b="1" dirty="0" smtClean="0"/>
-              <a:t>glavnih funkcionalnih </a:t>
-            </a:r>
-            <a:r>
-              <a:rPr lang="hr-HR" b="1" dirty="0" smtClean="0"/>
-              <a:t>zahtjeva</a:t>
-            </a:r>
-          </a:p>
-          <a:p>
+              <a:t>		Lista glavnih funkcionalnih zahtjeva</a:t>
+            </a:r>
+            <a:endParaRPr lang="hr-HR" b="1" dirty="0" smtClean="0"/>
+          </a:p>
+          <a:p>
+            <a:pPr>
+              <a:buFont typeface="Arial" panose="02080604020202020204" charset="0"/>
+              <a:buChar char="•"/>
+            </a:pPr>
             <a:r>
               <a:rPr lang="hr-HR" dirty="0" smtClean="0"/>
               <a:t>Korisnik</a:t>
             </a:r>
-          </a:p>
-          <a:p>
-            <a:pPr lvl="1"/>
+            <a:endParaRPr lang="hr-HR" dirty="0" smtClean="0"/>
+          </a:p>
+          <a:p>
+            <a:pPr lvl="1">
+              <a:buFont typeface="Arial" panose="02080604020202020204" charset="0"/>
+              <a:buChar char="•"/>
+            </a:pPr>
             <a:r>
               <a:rPr lang="hr-HR" dirty="0" smtClean="0"/>
               <a:t>Može naručivati jela</a:t>
             </a:r>
-          </a:p>
-          <a:p>
-            <a:pPr lvl="1"/>
+            <a:endParaRPr lang="hr-HR" dirty="0" smtClean="0"/>
+          </a:p>
+          <a:p>
+            <a:pPr lvl="1">
+              <a:buFont typeface="Arial" panose="02080604020202020204" charset="0"/>
+              <a:buChar char="•"/>
+            </a:pPr>
             <a:r>
               <a:rPr lang="hr-HR" dirty="0" smtClean="0"/>
               <a:t>Može komentirati jela i restoran</a:t>
             </a:r>
-          </a:p>
-          <a:p>
+            <a:endParaRPr lang="hr-HR" dirty="0" smtClean="0"/>
+          </a:p>
+          <a:p>
+            <a:pPr>
+              <a:buFont typeface="Arial" panose="02080604020202020204" charset="0"/>
+              <a:buChar char="•"/>
+            </a:pPr>
             <a:r>
               <a:rPr lang="hr-HR" dirty="0" smtClean="0"/>
               <a:t>Djelatnik</a:t>
             </a:r>
-          </a:p>
-          <a:p>
-            <a:pPr lvl="1"/>
+            <a:endParaRPr lang="hr-HR" dirty="0" smtClean="0"/>
+          </a:p>
+          <a:p>
+            <a:pPr lvl="1">
+              <a:buFont typeface="Arial" panose="02080604020202020204" charset="0"/>
+              <a:buChar char="•"/>
+            </a:pPr>
             <a:r>
               <a:rPr lang="hr-HR" dirty="0" smtClean="0"/>
               <a:t>Može brisati, dodavati i uređivati jela, kategorije jela i dodatke jelima</a:t>
             </a:r>
-          </a:p>
-          <a:p>
-            <a:pPr lvl="1"/>
+            <a:endParaRPr lang="hr-HR" dirty="0" smtClean="0"/>
+          </a:p>
+          <a:p>
+            <a:pPr lvl="1">
+              <a:buFont typeface="Arial" panose="02080604020202020204" charset="0"/>
+              <a:buChar char="•"/>
+            </a:pPr>
             <a:r>
               <a:rPr lang="hr-HR" dirty="0" smtClean="0"/>
               <a:t>Može potvrđivati i odbijati narudžbe</a:t>
@@ -8967,24 +8962,39 @@
             <a:endParaRPr lang="hr-HR" dirty="0" smtClean="0"/>
           </a:p>
           <a:p>
-            <a:pPr lvl="1"/>
+            <a:pPr lvl="1">
+              <a:buFont typeface="Arial" panose="02080604020202020204" charset="0"/>
+              <a:buChar char="•"/>
+            </a:pPr>
             <a:endParaRPr lang="hr-HR" dirty="0" smtClean="0"/>
           </a:p>
           <a:p>
+            <a:pPr>
+              <a:buFont typeface="Arial" panose="02080604020202020204" charset="0"/>
+              <a:buChar char="•"/>
+            </a:pPr>
             <a:r>
               <a:rPr lang="hr-HR" dirty="0" smtClean="0"/>
               <a:t>Vlasnik</a:t>
             </a:r>
-          </a:p>
-          <a:p>
-            <a:pPr lvl="1"/>
+            <a:endParaRPr lang="hr-HR" dirty="0" smtClean="0"/>
+          </a:p>
+          <a:p>
+            <a:pPr lvl="1">
+              <a:buFont typeface="Arial" panose="02080604020202020204" charset="0"/>
+              <a:buChar char="•"/>
+            </a:pPr>
             <a:r>
               <a:rPr lang="hr-HR" dirty="0" smtClean="0"/>
               <a:t>Može brisati, dodavati i uređivati djelatnike</a:t>
             </a:r>
-          </a:p>
-          <a:p>
-            <a:pPr lvl="1"/>
+            <a:endParaRPr lang="hr-HR" dirty="0" smtClean="0"/>
+          </a:p>
+          <a:p>
+            <a:pPr lvl="1">
+              <a:buFont typeface="Arial" panose="02080604020202020204" charset="0"/>
+              <a:buChar char="•"/>
+            </a:pPr>
             <a:r>
               <a:rPr lang="hr-HR" dirty="0"/>
               <a:t>M</a:t>
@@ -9000,7 +9010,10 @@
             <a:endParaRPr lang="hr-HR" dirty="0" smtClean="0"/>
           </a:p>
           <a:p>
-            <a:pPr lvl="1"/>
+            <a:pPr lvl="1">
+              <a:buFont typeface="Arial" panose="02080604020202020204" charset="0"/>
+              <a:buChar char="•"/>
+            </a:pPr>
             <a:r>
               <a:rPr lang="hr-HR" dirty="0" smtClean="0"/>
               <a:t>Može sve što i djelatnik</a:t>
@@ -9025,18 +9038,12 @@
           <a:p>
             <a:fld id="{FAA41844-C0CA-4144-9D6C-D993F0C0FAB4}" type="slidenum">
               <a:rPr lang="hr-HR" smtClean="0"/>
-              <a:t>4</a:t>
             </a:fld>
             <a:endParaRPr lang="hr-HR"/>
           </a:p>
         </p:txBody>
       </p:sp>
     </p:spTree>
-    <p:extLst>
-      <p:ext uri="{BB962C8B-B14F-4D97-AF65-F5344CB8AC3E}">
-        <p14:creationId xmlns:p14="http://schemas.microsoft.com/office/powerpoint/2010/main" val="3161375826"/>
-      </p:ext>
-    </p:extLst>
   </p:cSld>
   <p:clrMapOvr>
     <a:masterClrMapping/>
@@ -9122,8 +9129,13 @@
               <a:rPr lang="hr-HR" b="1" dirty="0" smtClean="0"/>
               <a:t>primjene</a:t>
             </a:r>
-          </a:p>
-          <a:p>
+            <a:endParaRPr lang="hr-HR" b="1" dirty="0" smtClean="0"/>
+          </a:p>
+          <a:p>
+            <a:pPr>
+              <a:buFont typeface="Arial" panose="02080604020202020204" charset="0"/>
+              <a:buChar char="•"/>
+            </a:pPr>
             <a:r>
               <a:rPr lang="hr-HR" dirty="0"/>
               <a:t>Sustav treba za svako jelo koje je naručivano više ili jednako od prosjeka naručivanja ostalih jela označiti posebnom oznakom – često naručivano </a:t>
@@ -9132,8 +9144,13 @@
               <a:rPr lang="hr-HR" dirty="0" smtClean="0"/>
               <a:t>jelo</a:t>
             </a:r>
-          </a:p>
-          <a:p>
+            <a:endParaRPr lang="hr-HR" dirty="0" smtClean="0"/>
+          </a:p>
+          <a:p>
+            <a:pPr>
+              <a:buFont typeface="Arial" panose="02080604020202020204" charset="0"/>
+              <a:buChar char="•"/>
+            </a:pPr>
             <a:r>
               <a:rPr lang="hr-HR" dirty="0"/>
               <a:t>Sustav treba moći upozoriti korisnika ako odabrana narudžba nije zadovoljila uvjet minimalne definirane cijene svake </a:t>
@@ -9142,8 +9159,13 @@
               <a:rPr lang="hr-HR" dirty="0" smtClean="0"/>
               <a:t>narudžbe</a:t>
             </a:r>
-          </a:p>
-          <a:p>
+            <a:endParaRPr lang="hr-HR" dirty="0" smtClean="0"/>
+          </a:p>
+          <a:p>
+            <a:pPr>
+              <a:buFont typeface="Arial" panose="02080604020202020204" charset="0"/>
+              <a:buChar char="•"/>
+            </a:pPr>
             <a:r>
               <a:rPr lang="hr-HR" dirty="0"/>
               <a:t>Ako dođe do nepredviđenih ili krivih akcija nekog od korisnika, one moraju na odgovarajući način omogućiti normalno funkcioniranje i rad </a:t>
@@ -9152,8 +9174,13 @@
               <a:rPr lang="hr-HR" dirty="0" smtClean="0"/>
               <a:t>sustava</a:t>
             </a:r>
-          </a:p>
-          <a:p>
+            <a:endParaRPr lang="hr-HR" dirty="0" smtClean="0"/>
+          </a:p>
+          <a:p>
+            <a:pPr>
+              <a:buFont typeface="Arial" panose="02080604020202020204" charset="0"/>
+              <a:buChar char="•"/>
+            </a:pPr>
             <a:r>
               <a:rPr lang="hr-HR" dirty="0"/>
               <a:t>Web stranica mora biti pisana u objektno-orijentiranom programskom jeziku, te će izrada sustava biti implementirana pomoću C# i ASP.NET</a:t>
@@ -9179,18 +9206,12 @@
           <a:p>
             <a:fld id="{FAA41844-C0CA-4144-9D6C-D993F0C0FAB4}" type="slidenum">
               <a:rPr lang="hr-HR" smtClean="0"/>
-              <a:t>5</a:t>
             </a:fld>
             <a:endParaRPr lang="hr-HR"/>
           </a:p>
         </p:txBody>
       </p:sp>
     </p:spTree>
-    <p:extLst>
-      <p:ext uri="{BB962C8B-B14F-4D97-AF65-F5344CB8AC3E}">
-        <p14:creationId xmlns:p14="http://schemas.microsoft.com/office/powerpoint/2010/main" val="2370762701"/>
-      </p:ext>
-    </p:extLst>
   </p:cSld>
   <p:clrMapOvr>
     <a:masterClrMapping/>
@@ -9255,10 +9276,15 @@
             <p:ph idx="1"/>
           </p:nvPr>
         </p:nvSpPr>
-        <p:spPr/>
+        <p:spPr>
+          <a:xfrm>
+            <a:off x="1080770" y="1139825"/>
+            <a:ext cx="7453630" cy="4771390"/>
+          </a:xfrm>
+        </p:spPr>
         <p:txBody>
           <a:bodyPr>
-            <a:normAutofit fontScale="85000" lnSpcReduction="20000"/>
+            <a:normAutofit lnSpcReduction="10000"/>
           </a:bodyPr>
           <a:lstStyle/>
           <a:p>
@@ -9276,18 +9302,32 @@
             <a:endParaRPr lang="hr-HR" b="1" dirty="0" smtClean="0"/>
           </a:p>
           <a:p>
+            <a:pPr>
+              <a:buFont typeface="Arial" panose="02080604020202020204" charset="0"/>
+              <a:buChar char="•"/>
+            </a:pPr>
             <a:r>
               <a:rPr lang="hr-HR" dirty="0" smtClean="0"/>
               <a:t>Git</a:t>
             </a:r>
-          </a:p>
-          <a:p>
+            <a:endParaRPr lang="hr-HR" dirty="0" smtClean="0"/>
+          </a:p>
+          <a:p>
+            <a:pPr>
+              <a:buFont typeface="Arial" panose="02080604020202020204" charset="0"/>
+              <a:buChar char="•"/>
+            </a:pPr>
             <a:r>
               <a:rPr lang="hr-HR" dirty="0" smtClean="0"/>
               <a:t>Slack </a:t>
             </a:r>
-          </a:p>
-          <a:p>
+            <a:endParaRPr lang="hr-HR" dirty="0" smtClean="0"/>
+          </a:p>
+          <a:p>
+            <a:pPr>
+              <a:buFont typeface="Arial" panose="02080604020202020204" charset="0"/>
+              <a:buChar char="•"/>
+            </a:pPr>
             <a:r>
               <a:rPr lang="hr-HR" dirty="0" smtClean="0"/>
               <a:t>Microsoft Word 2013</a:t>
@@ -9295,6 +9335,17 @@
             <a:endParaRPr lang="hr-HR" dirty="0" smtClean="0"/>
           </a:p>
           <a:p>
+            <a:pPr>
+              <a:buFont typeface="Arial" panose="02080604020202020204" charset="0"/>
+              <a:buChar char="•"/>
+            </a:pPr>
+            <a:r>
+              <a:rPr lang="x-none" altLang="hr-HR" dirty="0" smtClean="0"/>
+              <a:t>Visual Studio 2015</a:t>
+            </a:r>
+            <a:endParaRPr lang="x-none" altLang="hr-HR" dirty="0" smtClean="0"/>
+          </a:p>
+          <a:p>
             <a:pPr marL="457200" lvl="1" indent="0">
               <a:buNone/>
             </a:pPr>
@@ -9310,24 +9361,26 @@
             </a:r>
             <a:r>
               <a:rPr lang="hr-HR" b="1" dirty="0" smtClean="0"/>
-              <a:t>Korišteni </a:t>
-            </a:r>
-            <a:r>
-              <a:rPr lang="hr-HR" b="1" dirty="0" smtClean="0"/>
-              <a:t>programski jezici i </a:t>
-            </a:r>
-            <a:r>
-              <a:rPr lang="hr-HR" b="1" dirty="0" smtClean="0"/>
-              <a:t>tehnologije</a:t>
-            </a:r>
-          </a:p>
-          <a:p>
+              <a:t>Korišteni programski jezici i tehnologije</a:t>
+            </a:r>
+            <a:endParaRPr lang="hr-HR" b="1" dirty="0" smtClean="0"/>
+          </a:p>
+          <a:p>
+            <a:pPr>
+              <a:buFont typeface="Arial" panose="02080604020202020204" charset="0"/>
+              <a:buChar char="•"/>
+            </a:pPr>
             <a:r>
               <a:rPr lang="hr-HR" dirty="0" smtClean="0"/>
               <a:t>C#</a:t>
             </a:r>
-          </a:p>
-          <a:p>
+            <a:endParaRPr lang="hr-HR" dirty="0" smtClean="0"/>
+          </a:p>
+          <a:p>
+            <a:pPr>
+              <a:buFont typeface="Arial" panose="02080604020202020204" charset="0"/>
+              <a:buChar char="•"/>
+            </a:pPr>
             <a:r>
               <a:rPr lang="hr-HR" dirty="0" smtClean="0"/>
               <a:t>ASP.NET </a:t>
@@ -9336,41 +9389,40 @@
               <a:rPr lang="hr-HR" dirty="0"/>
               <a:t>MVC</a:t>
             </a:r>
-          </a:p>
-          <a:p>
-            <a:pPr lvl="1"/>
-            <a:r>
-              <a:rPr lang="hr-HR" dirty="0">
-                <a:hlinkClick r:id="rId2"/>
-              </a:rPr>
-              <a:t>http://www.asp.net/mvc</a:t>
-            </a:r>
             <a:endParaRPr lang="hr-HR" dirty="0"/>
           </a:p>
           <a:p>
-            <a:pPr marL="0" indent="0">
-              <a:buNone/>
+            <a:pPr>
+              <a:buFont typeface="Arial" panose="02080604020202020204" charset="0"/>
+              <a:buChar char="•"/>
             </a:pPr>
-            <a:endParaRPr lang="hr-HR" b="1" dirty="0" smtClean="0"/>
-          </a:p>
-          <a:p>
-            <a:pPr lvl="1"/>
-            <a:r>
-              <a:rPr lang="hr-HR" dirty="0"/>
-              <a:t>F</a:t>
-            </a:r>
-            <a:r>
-              <a:rPr lang="hr-HR" dirty="0" smtClean="0"/>
-              <a:t>ront end: CSS, ASP.NET SignalR</a:t>
-            </a:r>
-          </a:p>
-          <a:p>
-            <a:pPr lvl="1"/>
-            <a:r>
-              <a:rPr lang="hr-HR" dirty="0" smtClean="0"/>
-              <a:t> Back end: Javascript, jQuery</a:t>
-            </a:r>
-            <a:endParaRPr lang="hr-HR" dirty="0"/>
+            <a:r>
+              <a:rPr lang="x-none" altLang="hr-HR" dirty="0"/>
+              <a:t>Javascript, AJAX, JQuery</a:t>
+            </a:r>
+            <a:endParaRPr lang="x-none" altLang="hr-HR" dirty="0"/>
+          </a:p>
+          <a:p>
+            <a:pPr>
+              <a:buFont typeface="Arial" panose="02080604020202020204" charset="0"/>
+              <a:buChar char="•"/>
+            </a:pPr>
+            <a:r>
+              <a:rPr lang="x-none" altLang="hr-HR" dirty="0"/>
+              <a:t>SignalR</a:t>
+            </a:r>
+            <a:endParaRPr lang="x-none" altLang="hr-HR" dirty="0"/>
+          </a:p>
+          <a:p>
+            <a:pPr>
+              <a:buFont typeface="Arial" panose="02080604020202020204" charset="0"/>
+              <a:buChar char="•"/>
+            </a:pPr>
+            <a:r>
+              <a:rPr lang="x-none" altLang="hr-HR" dirty="0"/>
+              <a:t>CSS, Bootstrap</a:t>
+            </a:r>
+            <a:endParaRPr lang="x-none" altLang="hr-HR" dirty="0"/>
           </a:p>
         </p:txBody>
       </p:sp>
@@ -9391,18 +9443,12 @@
           <a:p>
             <a:fld id="{FAA41844-C0CA-4144-9D6C-D993F0C0FAB4}" type="slidenum">
               <a:rPr lang="hr-HR" smtClean="0"/>
-              <a:t>6</a:t>
             </a:fld>
             <a:endParaRPr lang="hr-HR"/>
           </a:p>
         </p:txBody>
       </p:sp>
     </p:spTree>
-    <p:extLst>
-      <p:ext uri="{BB962C8B-B14F-4D97-AF65-F5344CB8AC3E}">
-        <p14:creationId xmlns:p14="http://schemas.microsoft.com/office/powerpoint/2010/main" val="3389772446"/>
-      </p:ext>
-    </p:extLst>
   </p:cSld>
   <p:clrMapOvr>
     <a:masterClrMapping/>
@@ -9477,6 +9523,10 @@
           <a:bodyPr/>
           <a:lstStyle/>
           <a:p>
+            <a:pPr>
+              <a:buFont typeface="Arial" panose="02080604020202020204" charset="0"/>
+              <a:buChar char="•"/>
+            </a:pPr>
             <a:r>
               <a:rPr lang="hr-HR" dirty="0" smtClean="0"/>
               <a:t>Krajnji </a:t>
@@ -9510,7 +9560,6 @@
           <a:p>
             <a:fld id="{FAA41844-C0CA-4144-9D6C-D993F0C0FAB4}" type="slidenum">
               <a:rPr lang="hr-HR" smtClean="0"/>
-              <a:t>7</a:t>
             </a:fld>
             <a:endParaRPr lang="hr-HR"/>
           </a:p>
@@ -9523,7 +9572,7 @@
           <p:nvPr/>
         </p:nvPicPr>
         <p:blipFill>
-          <a:blip r:embed="rId2">
+          <a:blip r:embed="rId1">
             <a:extLst>
               <a:ext uri="{28A0092B-C50C-407E-A947-70E740481C1C}">
                 <a14:useLocalDpi xmlns:a14="http://schemas.microsoft.com/office/drawing/2010/main" val="0"/>
@@ -9545,11 +9594,6 @@
         </p:spPr>
       </p:pic>
     </p:spTree>
-    <p:extLst>
-      <p:ext uri="{BB962C8B-B14F-4D97-AF65-F5344CB8AC3E}">
-        <p14:creationId xmlns:p14="http://schemas.microsoft.com/office/powerpoint/2010/main" val="3657354464"/>
-      </p:ext>
-    </p:extLst>
   </p:cSld>
   <p:clrMapOvr>
     <a:masterClrMapping/>
@@ -9621,6 +9665,10 @@
           </a:bodyPr>
           <a:lstStyle/>
           <a:p>
+            <a:pPr>
+              <a:buFont typeface="Arial" panose="02080604020202020204" charset="0"/>
+              <a:buChar char="•"/>
+            </a:pPr>
             <a:r>
               <a:rPr lang="hr-HR" b="1" i="1" dirty="0" smtClean="0"/>
               <a:t>Šarić </a:t>
@@ -9637,8 +9685,13 @@
               <a:rPr lang="hr-HR" dirty="0" smtClean="0"/>
               <a:t>– developer, implementacija</a:t>
             </a:r>
-          </a:p>
-          <a:p>
+            <a:endParaRPr lang="hr-HR" dirty="0" smtClean="0"/>
+          </a:p>
+          <a:p>
+            <a:pPr>
+              <a:buFont typeface="Arial" panose="02080604020202020204" charset="0"/>
+              <a:buChar char="•"/>
+            </a:pPr>
             <a:r>
               <a:rPr lang="hr-HR" b="1" i="1" dirty="0" smtClean="0"/>
               <a:t>Gulan </a:t>
@@ -9655,8 +9708,13 @@
               <a:rPr lang="hr-HR" dirty="0" smtClean="0"/>
               <a:t>– developer, implementacija</a:t>
             </a:r>
-          </a:p>
-          <a:p>
+            <a:endParaRPr lang="hr-HR" dirty="0" smtClean="0"/>
+          </a:p>
+          <a:p>
+            <a:pPr>
+              <a:buFont typeface="Arial" panose="02080604020202020204" charset="0"/>
+              <a:buChar char="•"/>
+            </a:pPr>
             <a:r>
               <a:rPr lang="hr-HR" b="1" i="1" dirty="0" smtClean="0"/>
               <a:t>Janjić </a:t>
@@ -9673,8 +9731,13 @@
               <a:rPr lang="hr-HR" dirty="0" smtClean="0"/>
               <a:t>– developer, dizajn</a:t>
             </a:r>
-          </a:p>
-          <a:p>
+            <a:endParaRPr lang="hr-HR" dirty="0" smtClean="0"/>
+          </a:p>
+          <a:p>
+            <a:pPr>
+              <a:buFont typeface="Arial" panose="02080604020202020204" charset="0"/>
+              <a:buChar char="•"/>
+            </a:pPr>
             <a:r>
               <a:rPr lang="hr-HR" b="1" i="1" dirty="0" smtClean="0"/>
               <a:t>Kelemen </a:t>
@@ -9691,8 +9754,13 @@
               <a:rPr lang="hr-HR" dirty="0" smtClean="0"/>
               <a:t>– developer, implementacija</a:t>
             </a:r>
-          </a:p>
-          <a:p>
+            <a:endParaRPr lang="hr-HR" dirty="0" smtClean="0"/>
+          </a:p>
+          <a:p>
+            <a:pPr>
+              <a:buFont typeface="Arial" panose="02080604020202020204" charset="0"/>
+              <a:buChar char="•"/>
+            </a:pPr>
             <a:r>
               <a:rPr lang="hr-HR" b="1" i="1" dirty="0" smtClean="0"/>
               <a:t>Kostrešević </a:t>
@@ -9716,6 +9784,10 @@
             <a:endParaRPr lang="hr-HR" dirty="0"/>
           </a:p>
           <a:p>
+            <a:pPr>
+              <a:buFont typeface="Arial" panose="02080604020202020204" charset="0"/>
+              <a:buChar char="•"/>
+            </a:pPr>
             <a:r>
               <a:rPr lang="hr-HR" b="1" i="1" dirty="0" smtClean="0"/>
               <a:t>Latečki </a:t>
@@ -9732,8 +9804,13 @@
               <a:rPr lang="hr-HR" dirty="0" smtClean="0"/>
               <a:t>– developer, implementacija</a:t>
             </a:r>
-          </a:p>
-          <a:p>
+            <a:endParaRPr lang="hr-HR" dirty="0" smtClean="0"/>
+          </a:p>
+          <a:p>
+            <a:pPr>
+              <a:buFont typeface="Arial" panose="02080604020202020204" charset="0"/>
+              <a:buChar char="•"/>
+            </a:pPr>
             <a:r>
               <a:rPr lang="hr-HR" b="1" i="1" dirty="0" smtClean="0"/>
               <a:t>Trčak </a:t>
@@ -9775,18 +9852,12 @@
           <a:p>
             <a:fld id="{FAA41844-C0CA-4144-9D6C-D993F0C0FAB4}" type="slidenum">
               <a:rPr lang="hr-HR" smtClean="0"/>
-              <a:t>8</a:t>
             </a:fld>
             <a:endParaRPr lang="hr-HR"/>
           </a:p>
         </p:txBody>
       </p:sp>
     </p:spTree>
-    <p:extLst>
-      <p:ext uri="{BB962C8B-B14F-4D97-AF65-F5344CB8AC3E}">
-        <p14:creationId xmlns:p14="http://schemas.microsoft.com/office/powerpoint/2010/main" val="4285223946"/>
-      </p:ext>
-    </p:extLst>
   </p:cSld>
   <p:clrMapOvr>
     <a:masterClrMapping/>
@@ -9856,18 +9927,32 @@
           <a:bodyPr/>
           <a:lstStyle/>
           <a:p>
+            <a:pPr>
+              <a:buFont typeface="Arial" panose="02080604020202020204" charset="0"/>
+              <a:buChar char="•"/>
+            </a:pPr>
             <a:r>
               <a:rPr lang="hr-HR" dirty="0" smtClean="0"/>
               <a:t>Naučili smo korištenje jezika C# i njegovih tehnologija</a:t>
             </a:r>
-          </a:p>
-          <a:p>
+            <a:endParaRPr lang="hr-HR" dirty="0" smtClean="0"/>
+          </a:p>
+          <a:p>
+            <a:pPr>
+              <a:buFont typeface="Arial" panose="02080604020202020204" charset="0"/>
+              <a:buChar char="•"/>
+            </a:pPr>
             <a:r>
               <a:rPr lang="hr-HR" dirty="0" smtClean="0"/>
               <a:t>Naučili smo kako se izrađuje web stranica</a:t>
             </a:r>
-          </a:p>
-          <a:p>
+            <a:endParaRPr lang="hr-HR" dirty="0" smtClean="0"/>
+          </a:p>
+          <a:p>
+            <a:pPr>
+              <a:buFont typeface="Arial" panose="02080604020202020204" charset="0"/>
+              <a:buChar char="•"/>
+            </a:pPr>
             <a:r>
               <a:rPr lang="hr-HR" dirty="0" smtClean="0"/>
               <a:t>Naučili smo kako se treba dokumentirati projekt</a:t>
@@ -9877,6 +9962,10 @@
             </a:endParaRPr>
           </a:p>
           <a:p>
+            <a:pPr>
+              <a:buFont typeface="Arial" panose="02080604020202020204" charset="0"/>
+              <a:buChar char="•"/>
+            </a:pPr>
             <a:endParaRPr lang="hr-HR" dirty="0" smtClean="0"/>
           </a:p>
         </p:txBody>
@@ -9898,18 +9987,12 @@
           <a:p>
             <a:fld id="{FAA41844-C0CA-4144-9D6C-D993F0C0FAB4}" type="slidenum">
               <a:rPr lang="hr-HR" smtClean="0"/>
-              <a:t>9</a:t>
             </a:fld>
             <a:endParaRPr lang="hr-HR"/>
           </a:p>
         </p:txBody>
       </p:sp>
     </p:spTree>
-    <p:extLst>
-      <p:ext uri="{BB962C8B-B14F-4D97-AF65-F5344CB8AC3E}">
-        <p14:creationId xmlns:p14="http://schemas.microsoft.com/office/powerpoint/2010/main" val="48259320"/>
-      </p:ext>
-    </p:extLst>
   </p:cSld>
   <p:clrMapOvr>
     <a:masterClrMapping/>
@@ -9967,7 +10050,7 @@
     </a:clrScheme>
     <a:fontScheme name="Wisp">
       <a:majorFont>
-        <a:latin typeface="Century Gothic" panose="020B0502020202020204"/>
+        <a:latin typeface="Century Gothic"/>
         <a:ea typeface=""/>
         <a:cs typeface=""/>
         <a:font script="Jpan" typeface="メイリオ"/>
@@ -10002,7 +10085,7 @@
         <a:font script="Geor" typeface="Sylfaen"/>
       </a:majorFont>
       <a:minorFont>
-        <a:latin typeface="Century Gothic" panose="020B0502020202020204"/>
+        <a:latin typeface="Century Gothic"/>
         <a:ea typeface=""/>
         <a:cs typeface=""/>
         <a:font script="Jpan" typeface="メイリオ"/>
@@ -10161,7 +10244,7 @@
   <a:extraClrSchemeLst/>
   <a:extLst>
     <a:ext uri="{05A4C25C-085E-4340-85A3-A5531E510DB2}">
-      <thm15:themeFamily xmlns:thm15="http://schemas.microsoft.com/office/thememl/2012/main" name="Wisp" id="{7CB32D59-10C0-40DD-B7BD-2E94284A981C}" vid="{4F34B87B-9C7A-41AE-A6CB-48536223DFFD}"/>
+      <thm15:themeFamily xmlns:thm15="http://schemas.microsoft.com/office/thememl/2012/main" name="Office Theme" id="{62F939B6-93AF-4DB8-9C6B-D6C7DFDC589F}" vid="{4A3C46E8-61CC-4603-A589-7422A47A8E4A}"/>
     </a:ext>
   </a:extLst>
 </a:theme>
@@ -10210,7 +10293,7 @@
     </a:clrScheme>
     <a:fontScheme name="Office">
       <a:majorFont>
-        <a:latin typeface="Calibri Light" panose="020F0302020204030204"/>
+        <a:latin typeface="Calibri Light"/>
         <a:ea typeface=""/>
         <a:cs typeface=""/>
         <a:font script="Jpan" typeface="ＭＳ Ｐゴシック"/>
@@ -10245,7 +10328,7 @@
         <a:font script="Geor" typeface="Sylfaen"/>
       </a:majorFont>
       <a:minorFont>
-        <a:latin typeface="Calibri" panose="020F0502020204030204"/>
+        <a:latin typeface="Calibri"/>
         <a:ea typeface=""/>
         <a:cs typeface=""/>
         <a:font script="Jpan" typeface="ＭＳ Ｐゴシック"/>
